--- a/tractor_jd_1025r_X738.pptx
+++ b/tractor_jd_1025r_X738.pptx
@@ -262,7 +262,7 @@
           <a:lstStyle/>
           <a:p>
             <a:fld id="{16286276-9013-2A43-82D1-BA4685C95117}" type="datetimeFigureOut">
-              <a:t>7/30/25</a:t>
+              <a:t>8/23/25</a:t>
             </a:fld>
             <a:endParaRPr lang="en-US"/>
           </a:p>
@@ -458,7 +458,7 @@
           <a:lstStyle/>
           <a:p>
             <a:fld id="{16286276-9013-2A43-82D1-BA4685C95117}" type="datetimeFigureOut">
-              <a:t>7/30/25</a:t>
+              <a:t>8/23/25</a:t>
             </a:fld>
             <a:endParaRPr lang="en-US"/>
           </a:p>
@@ -664,7 +664,7 @@
           <a:lstStyle/>
           <a:p>
             <a:fld id="{16286276-9013-2A43-82D1-BA4685C95117}" type="datetimeFigureOut">
-              <a:t>7/30/25</a:t>
+              <a:t>8/23/25</a:t>
             </a:fld>
             <a:endParaRPr lang="en-US"/>
           </a:p>
@@ -860,7 +860,7 @@
           <a:lstStyle/>
           <a:p>
             <a:fld id="{16286276-9013-2A43-82D1-BA4685C95117}" type="datetimeFigureOut">
-              <a:t>7/30/25</a:t>
+              <a:t>8/23/25</a:t>
             </a:fld>
             <a:endParaRPr lang="en-US"/>
           </a:p>
@@ -1133,7 +1133,7 @@
           <a:lstStyle/>
           <a:p>
             <a:fld id="{16286276-9013-2A43-82D1-BA4685C95117}" type="datetimeFigureOut">
-              <a:t>7/30/25</a:t>
+              <a:t>8/23/25</a:t>
             </a:fld>
             <a:endParaRPr lang="en-US"/>
           </a:p>
@@ -1396,7 +1396,7 @@
           <a:lstStyle/>
           <a:p>
             <a:fld id="{16286276-9013-2A43-82D1-BA4685C95117}" type="datetimeFigureOut">
-              <a:t>7/30/25</a:t>
+              <a:t>8/23/25</a:t>
             </a:fld>
             <a:endParaRPr lang="en-US"/>
           </a:p>
@@ -1806,7 +1806,7 @@
           <a:lstStyle/>
           <a:p>
             <a:fld id="{16286276-9013-2A43-82D1-BA4685C95117}" type="datetimeFigureOut">
-              <a:t>7/30/25</a:t>
+              <a:t>8/23/25</a:t>
             </a:fld>
             <a:endParaRPr lang="en-US"/>
           </a:p>
@@ -1945,7 +1945,7 @@
           <a:lstStyle/>
           <a:p>
             <a:fld id="{16286276-9013-2A43-82D1-BA4685C95117}" type="datetimeFigureOut">
-              <a:t>7/30/25</a:t>
+              <a:t>8/23/25</a:t>
             </a:fld>
             <a:endParaRPr lang="en-US"/>
           </a:p>
@@ -2056,7 +2056,7 @@
           <a:lstStyle/>
           <a:p>
             <a:fld id="{16286276-9013-2A43-82D1-BA4685C95117}" type="datetimeFigureOut">
-              <a:t>7/30/25</a:t>
+              <a:t>8/23/25</a:t>
             </a:fld>
             <a:endParaRPr lang="en-US"/>
           </a:p>
@@ -2365,7 +2365,7 @@
           <a:lstStyle/>
           <a:p>
             <a:fld id="{16286276-9013-2A43-82D1-BA4685C95117}" type="datetimeFigureOut">
-              <a:t>7/30/25</a:t>
+              <a:t>8/23/25</a:t>
             </a:fld>
             <a:endParaRPr lang="en-US"/>
           </a:p>
@@ -2651,7 +2651,7 @@
           <a:lstStyle/>
           <a:p>
             <a:fld id="{16286276-9013-2A43-82D1-BA4685C95117}" type="datetimeFigureOut">
-              <a:t>7/30/25</a:t>
+              <a:t>8/23/25</a:t>
             </a:fld>
             <a:endParaRPr lang="en-US"/>
           </a:p>
@@ -2890,7 +2890,7 @@
           </a:lstStyle>
           <a:p>
             <a:fld id="{16286276-9013-2A43-82D1-BA4685C95117}" type="datetimeFigureOut">
-              <a:t>7/30/25</a:t>
+              <a:t>8/23/25</a:t>
             </a:fld>
             <a:endParaRPr lang="en-US"/>
           </a:p>
@@ -4716,7 +4716,7 @@
         </p:nvSpPr>
         <p:spPr>
           <a:xfrm>
-            <a:off x="262129" y="4253566"/>
+            <a:off x="262129" y="4908477"/>
             <a:ext cx="3785442" cy="1169551"/>
           </a:xfrm>
           <a:prstGeom prst="rect">
@@ -4782,7 +4782,7 @@
         <p:spPr>
           <a:xfrm>
             <a:off x="262129" y="775454"/>
-            <a:ext cx="3785442" cy="369332"/>
+            <a:ext cx="4025666" cy="646331"/>
           </a:xfrm>
           <a:prstGeom prst="rect">
             <a:avLst/>
@@ -4807,8 +4807,51 @@
           <a:p>
             <a:r>
               <a:rPr lang="en-US" dirty="0"/>
-              <a:t> 1025R                    vs                     X758</a:t>
-            </a:r>
+              <a:t> </a:t>
+            </a:r>
+            <a:r>
+              <a:rPr lang="en-US" b="1" dirty="0"/>
+              <a:t>1025R                    vs                     X758</a:t>
+            </a:r>
+          </a:p>
+          <a:p>
+            <a:r>
+              <a:rPr lang="en-US" dirty="0">
+                <a:solidFill>
+                  <a:srgbClr val="00B0F0"/>
+                </a:solidFill>
+              </a:rPr>
+              <a:t>1,444 </a:t>
+            </a:r>
+            <a:r>
+              <a:rPr lang="en-US" dirty="0" err="1">
+                <a:solidFill>
+                  <a:srgbClr val="00B0F0"/>
+                </a:solidFill>
+              </a:rPr>
+              <a:t>lbs</a:t>
+            </a:r>
+            <a:r>
+              <a:rPr lang="en-US" dirty="0">
+                <a:solidFill>
+                  <a:srgbClr val="00B0F0"/>
+                </a:solidFill>
+              </a:rPr>
+              <a:t>                                     1,038 </a:t>
+            </a:r>
+            <a:r>
+              <a:rPr lang="en-US" dirty="0" err="1">
+                <a:solidFill>
+                  <a:srgbClr val="00B0F0"/>
+                </a:solidFill>
+              </a:rPr>
+              <a:t>lbs</a:t>
+            </a:r>
+            <a:endParaRPr lang="en-US" dirty="0">
+              <a:solidFill>
+                <a:srgbClr val="00B0F0"/>
+              </a:solidFill>
+            </a:endParaRPr>
           </a:p>
         </p:txBody>
       </p:sp>
@@ -4877,7 +4920,7 @@
         </p:blipFill>
         <p:spPr bwMode="auto">
           <a:xfrm>
-            <a:off x="262128" y="1253947"/>
+            <a:off x="262128" y="1908858"/>
             <a:ext cx="3785443" cy="2839082"/>
           </a:xfrm>
           <a:prstGeom prst="rect">
@@ -5020,8 +5063,13 @@
             </a:pPr>
             <a:r>
               <a:rPr lang="en-US" sz="1400" dirty="0"/>
-              <a:t>X738 4wd, gas, fuel injection, V-twin, power lift</a:t>
-            </a:r>
+              <a:t>X738 4wd, gas, fuel injection, V-twin, power lift, 947 </a:t>
+            </a:r>
+            <a:r>
+              <a:rPr lang="en-US" sz="1400" dirty="0" err="1"/>
+              <a:t>lbs</a:t>
+            </a:r>
+            <a:endParaRPr lang="en-US" sz="1400" dirty="0"/>
           </a:p>
           <a:p>
             <a:pPr marL="285750" indent="-285750">
@@ -5040,8 +5088,13 @@
             </a:pPr>
             <a:r>
               <a:rPr lang="en-US" sz="1400" dirty="0"/>
-              <a:t>X758 4wd, diesel, power lift</a:t>
-            </a:r>
+              <a:t>X758 4wd, diesel, power lift , 1,038 </a:t>
+            </a:r>
+            <a:r>
+              <a:rPr lang="en-US" sz="1400" dirty="0" err="1"/>
+              <a:t>lbs</a:t>
+            </a:r>
+            <a:endParaRPr lang="en-US" sz="1400" dirty="0"/>
           </a:p>
         </p:txBody>
       </p:sp>

--- a/tractor_jd_1025r_X738.pptx
+++ b/tractor_jd_1025r_X738.pptx
@@ -8,8 +8,9 @@
     <p:sldId id="262" r:id="rId2"/>
     <p:sldId id="258" r:id="rId3"/>
     <p:sldId id="264" r:id="rId4"/>
-    <p:sldId id="261" r:id="rId5"/>
-    <p:sldId id="263" r:id="rId6"/>
+    <p:sldId id="265" r:id="rId5"/>
+    <p:sldId id="261" r:id="rId6"/>
+    <p:sldId id="263" r:id="rId7"/>
   </p:sldIdLst>
   <p:sldSz cx="12192000" cy="6858000"/>
   <p:notesSz cx="6858000" cy="9144000"/>
@@ -4676,7 +4677,7 @@
         <p:spPr>
           <a:xfrm>
             <a:off x="-1" y="0"/>
-            <a:ext cx="5795011" cy="461665"/>
+            <a:ext cx="2788921" cy="461665"/>
           </a:xfrm>
           <a:prstGeom prst="rect">
             <a:avLst/>
@@ -4691,7 +4692,7 @@
           <a:p>
             <a:r>
               <a:rPr lang="en-US" sz="2400" b="1" dirty="0"/>
-              <a:t>Backhoe 260b – use with 1025R</a:t>
+              <a:t>1025R.   vs    X758</a:t>
             </a:r>
             <a:endParaRPr lang="en-US" sz="2400" b="1" i="0" dirty="0">
               <a:solidFill>
@@ -4782,7 +4783,7 @@
         <p:spPr>
           <a:xfrm>
             <a:off x="262129" y="775454"/>
-            <a:ext cx="4025666" cy="646331"/>
+            <a:ext cx="3785442" cy="646331"/>
           </a:xfrm>
           <a:prstGeom prst="rect">
             <a:avLst/>
@@ -4811,7 +4812,7 @@
             </a:r>
             <a:r>
               <a:rPr lang="en-US" b="1" dirty="0"/>
-              <a:t>1025R                    vs                     X758</a:t>
+              <a:t>1025R                vs                 X758</a:t>
             </a:r>
           </a:p>
           <a:p>
@@ -4837,7 +4838,7 @@
                   <a:srgbClr val="00B0F0"/>
                 </a:solidFill>
               </a:rPr>
-              <a:t>                                     1,038 </a:t>
+              <a:t>                              1,038 </a:t>
             </a:r>
             <a:r>
               <a:rPr lang="en-US" dirty="0" err="1">
@@ -4883,7 +4884,7 @@
         </p:blipFill>
         <p:spPr>
           <a:xfrm>
-            <a:off x="6319920" y="775454"/>
+            <a:off x="4301890" y="230832"/>
             <a:ext cx="1530350" cy="1200150"/>
           </a:xfrm>
           <a:prstGeom prst="rect">
@@ -4952,8 +4953,8 @@
         </p:nvSpPr>
         <p:spPr>
           <a:xfrm>
-            <a:off x="6319920" y="2182287"/>
-            <a:ext cx="5609951" cy="3031599"/>
+            <a:off x="6086560" y="139392"/>
+            <a:ext cx="5980472" cy="2046714"/>
           </a:xfrm>
           <a:prstGeom prst="rect">
             <a:avLst/>
@@ -4978,13 +4979,7 @@
           <a:p>
             <a:r>
               <a:rPr lang="en-US" dirty="0"/>
-              <a:t>X700 series 4WD models: </a:t>
-            </a:r>
-          </a:p>
-          <a:p>
-            <a:r>
-              <a:rPr lang="en-US" dirty="0"/>
-              <a:t>X738, X739, X758</a:t>
+              <a:t>X700 series 4WD models:  X738, X739, X758</a:t>
             </a:r>
           </a:p>
           <a:p>
@@ -4992,35 +4987,8 @@
               <a:rPr lang="en-US" sz="1100" dirty="0">
                 <a:hlinkClick r:id="rId4"/>
               </a:rPr>
-              <a:t>https://</a:t>
-            </a:r>
-            <a:r>
-              <a:rPr lang="en-US" sz="1100" dirty="0" err="1">
-                <a:hlinkClick r:id="rId4"/>
-              </a:rPr>
-              <a:t>www.deere.com</a:t>
-            </a:r>
-            <a:r>
-              <a:rPr lang="en-US" sz="1100" dirty="0">
-                <a:hlinkClick r:id="rId4"/>
-              </a:rPr>
-              <a:t>/</a:t>
-            </a:r>
-            <a:r>
-              <a:rPr lang="en-US" sz="1100" dirty="0" err="1">
-                <a:hlinkClick r:id="rId4"/>
-              </a:rPr>
-              <a:t>en</a:t>
-            </a:r>
-            <a:r>
-              <a:rPr lang="en-US" sz="1100" dirty="0">
-                <a:hlinkClick r:id="rId4"/>
-              </a:rPr>
-              <a:t>/mowers/lawn-tractors/x700-series/ </a:t>
-            </a:r>
-            <a:endParaRPr lang="en-US" sz="1100" dirty="0"/>
-          </a:p>
-          <a:p>
+              <a:t>https://www.deere.com/en/mowers/lawn-tractors/x700-series/ </a:t>
+            </a:r>
             <a:endParaRPr lang="en-US" dirty="0"/>
           </a:p>
           <a:p>
@@ -5054,9 +5022,6 @@
             </a:r>
           </a:p>
           <a:p>
-            <a:endParaRPr lang="en-US" sz="1400" dirty="0"/>
-          </a:p>
-          <a:p>
             <a:pPr marL="285750" indent="-285750">
               <a:buFont typeface="Arial" panose="020B0604020202020204" pitchFamily="34" charset="0"/>
               <a:buChar char="•"/>
@@ -5095,6 +5060,183 @@
               <a:t>lbs</a:t>
             </a:r>
             <a:endParaRPr lang="en-US" sz="1400" dirty="0"/>
+          </a:p>
+        </p:txBody>
+      </p:sp>
+      <p:sp>
+        <p:nvSpPr>
+          <p:cNvPr id="5" name="TextBox 4">
+            <a:extLst>
+              <a:ext uri="{FF2B5EF4-FFF2-40B4-BE49-F238E27FC236}">
+                <a16:creationId xmlns:a16="http://schemas.microsoft.com/office/drawing/2014/main" id="{B4C867C9-7A27-AA35-EB7C-6B97B448BD44}"/>
+              </a:ext>
+            </a:extLst>
+          </p:cNvPr>
+          <p:cNvSpPr txBox="1"/>
+          <p:nvPr/>
+        </p:nvSpPr>
+        <p:spPr>
+          <a:xfrm>
+            <a:off x="6086560" y="2349633"/>
+            <a:ext cx="5980472" cy="3108543"/>
+          </a:xfrm>
+          <a:prstGeom prst="rect">
+            <a:avLst/>
+          </a:prstGeom>
+          <a:solidFill>
+            <a:schemeClr val="accent4">
+              <a:lumMod val="20000"/>
+              <a:lumOff val="80000"/>
+            </a:schemeClr>
+          </a:solidFill>
+          <a:ln>
+            <a:solidFill>
+              <a:srgbClr val="FF0000"/>
+            </a:solidFill>
+          </a:ln>
+        </p:spPr>
+        <p:txBody>
+          <a:bodyPr wrap="square" rtlCol="0">
+            <a:spAutoFit/>
+          </a:bodyPr>
+          <a:lstStyle/>
+          <a:p>
+            <a:r>
+              <a:rPr lang="en-US" sz="1400" dirty="0">
+                <a:latin typeface="Calibri" panose="020F0502020204030204" pitchFamily="34" charset="0"/>
+                <a:cs typeface="Calibri" panose="020F0502020204030204" pitchFamily="34" charset="0"/>
+              </a:rPr>
+              <a:t>X738 4wd, gas, fuel injection</a:t>
+            </a:r>
+          </a:p>
+          <a:p>
+            <a:r>
+              <a:rPr lang="en-US" sz="1400" dirty="0">
+                <a:latin typeface="Calibri" panose="020F0502020204030204" pitchFamily="34" charset="0"/>
+                <a:cs typeface="Calibri" panose="020F0502020204030204" pitchFamily="34" charset="0"/>
+              </a:rPr>
+              <a:t>X739 4wd, gas, fuel injection, 4-wheel steer</a:t>
+            </a:r>
+          </a:p>
+          <a:p>
+            <a:r>
+              <a:rPr lang="en-US" sz="1400" dirty="0">
+                <a:latin typeface="Calibri" panose="020F0502020204030204" pitchFamily="34" charset="0"/>
+                <a:cs typeface="Calibri" panose="020F0502020204030204" pitchFamily="34" charset="0"/>
+              </a:rPr>
+              <a:t>X758 4wd, diesel</a:t>
+            </a:r>
+          </a:p>
+          <a:p>
+            <a:r>
+              <a:rPr lang="en-US" sz="1400" dirty="0">
+                <a:latin typeface="Calibri" panose="020F0502020204030204" pitchFamily="34" charset="0"/>
+                <a:cs typeface="Calibri" panose="020F0502020204030204" pitchFamily="34" charset="0"/>
+              </a:rPr>
+              <a:t>---------</a:t>
+            </a:r>
+          </a:p>
+          <a:p>
+            <a:r>
+              <a:rPr lang="en-US" sz="1400" dirty="0">
+                <a:latin typeface="Calibri" panose="020F0502020204030204" pitchFamily="34" charset="0"/>
+                <a:cs typeface="Calibri" panose="020F0502020204030204" pitchFamily="34" charset="0"/>
+              </a:rPr>
+              <a:t>X584 4wd, gas, carburetor</a:t>
+            </a:r>
+          </a:p>
+          <a:p>
+            <a:r>
+              <a:rPr lang="en-US" sz="1400" dirty="0">
+                <a:latin typeface="Calibri" panose="020F0502020204030204" pitchFamily="34" charset="0"/>
+                <a:cs typeface="Calibri" panose="020F0502020204030204" pitchFamily="34" charset="0"/>
+              </a:rPr>
+              <a:t>X590 2wd, gas, Fuel Injection</a:t>
+            </a:r>
+          </a:p>
+          <a:p>
+            <a:r>
+              <a:rPr lang="en-US" sz="1400" dirty="0">
+                <a:latin typeface="Calibri" panose="020F0502020204030204" pitchFamily="34" charset="0"/>
+                <a:cs typeface="Calibri" panose="020F0502020204030204" pitchFamily="34" charset="0"/>
+              </a:rPr>
+              <a:t>X594 4wd, gas, carburetor – very rare</a:t>
+            </a:r>
+          </a:p>
+          <a:p>
+            <a:r>
+              <a:rPr lang="en-US" sz="1400" dirty="0">
+                <a:latin typeface="Calibri" panose="020F0502020204030204" pitchFamily="34" charset="0"/>
+                <a:cs typeface="Calibri" panose="020F0502020204030204" pitchFamily="34" charset="0"/>
+              </a:rPr>
+              <a:t>---------</a:t>
+            </a:r>
+          </a:p>
+          <a:p>
+            <a:r>
+              <a:rPr lang="en-US" sz="1400" dirty="0">
+                <a:solidFill>
+                  <a:srgbClr val="FF0000"/>
+                </a:solidFill>
+                <a:latin typeface="Calibri" panose="020F0502020204030204" pitchFamily="34" charset="0"/>
+                <a:cs typeface="Calibri" panose="020F0502020204030204" pitchFamily="34" charset="0"/>
+              </a:rPr>
+              <a:t>X485 4wd, gas, fuel injection</a:t>
+            </a:r>
+          </a:p>
+          <a:p>
+            <a:r>
+              <a:rPr lang="en-US" sz="1400" dirty="0">
+                <a:solidFill>
+                  <a:srgbClr val="FF0000"/>
+                </a:solidFill>
+                <a:latin typeface="Calibri" panose="020F0502020204030204" pitchFamily="34" charset="0"/>
+                <a:cs typeface="Calibri" panose="020F0502020204030204" pitchFamily="34" charset="0"/>
+              </a:rPr>
+              <a:t>X495 4wd, diesel </a:t>
+            </a:r>
+          </a:p>
+          <a:p>
+            <a:r>
+              <a:rPr lang="en-US" sz="1400" dirty="0">
+                <a:latin typeface="Calibri" panose="020F0502020204030204" pitchFamily="34" charset="0"/>
+                <a:cs typeface="Calibri" panose="020F0502020204030204" pitchFamily="34" charset="0"/>
+              </a:rPr>
+              <a:t>---------------</a:t>
+            </a:r>
+          </a:p>
+          <a:p>
+            <a:r>
+              <a:rPr lang="en-US" sz="1400" dirty="0">
+                <a:latin typeface="Calibri" panose="020F0502020204030204" pitchFamily="34" charset="0"/>
+                <a:cs typeface="Calibri" panose="020F0502020204030204" pitchFamily="34" charset="0"/>
+              </a:rPr>
+              <a:t>JD-425 – 2wd, gas, carburetor</a:t>
+            </a:r>
+          </a:p>
+          <a:p>
+            <a:r>
+              <a:rPr lang="en-US" sz="1400" dirty="0">
+                <a:solidFill>
+                  <a:srgbClr val="FF0000"/>
+                </a:solidFill>
+                <a:latin typeface="Calibri" panose="020F0502020204030204" pitchFamily="34" charset="0"/>
+                <a:cs typeface="Calibri" panose="020F0502020204030204" pitchFamily="34" charset="0"/>
+              </a:rPr>
+              <a:t>JD-445 – 2wd, gas, fuel injection</a:t>
+            </a:r>
+          </a:p>
+          <a:p>
+            <a:r>
+              <a:rPr lang="en-US" sz="1400" dirty="0">
+                <a:solidFill>
+                  <a:srgbClr val="FF0000"/>
+                </a:solidFill>
+                <a:latin typeface="Calibri" panose="020F0502020204030204" pitchFamily="34" charset="0"/>
+                <a:cs typeface="Calibri" panose="020F0502020204030204" pitchFamily="34" charset="0"/>
+              </a:rPr>
+              <a:t>JD-455 – 2wd, diesel</a:t>
+            </a:r>
           </a:p>
         </p:txBody>
       </p:sp>
@@ -5116,6 +5258,479 @@
   <p:cSld>
     <p:spTree>
       <p:nvGrpSpPr>
+        <p:cNvPr id="1" name="">
+          <a:extLst>
+            <a:ext uri="{FF2B5EF4-FFF2-40B4-BE49-F238E27FC236}">
+              <a16:creationId xmlns:a16="http://schemas.microsoft.com/office/drawing/2014/main" id="{BB8D43B2-740F-F0E6-5183-9FF58212989F}"/>
+            </a:ext>
+          </a:extLst>
+        </p:cNvPr>
+        <p:cNvGrpSpPr/>
+        <p:nvPr/>
+      </p:nvGrpSpPr>
+      <p:grpSpPr>
+        <a:xfrm>
+          <a:off x="0" y="0"/>
+          <a:ext cx="0" cy="0"/>
+          <a:chOff x="0" y="0"/>
+          <a:chExt cx="0" cy="0"/>
+        </a:xfrm>
+      </p:grpSpPr>
+      <p:sp>
+        <p:nvSpPr>
+          <p:cNvPr id="2" name="TextBox 1">
+            <a:extLst>
+              <a:ext uri="{FF2B5EF4-FFF2-40B4-BE49-F238E27FC236}">
+                <a16:creationId xmlns:a16="http://schemas.microsoft.com/office/drawing/2014/main" id="{53B2CA77-7A71-76E0-0161-3D858829B4E6}"/>
+              </a:ext>
+            </a:extLst>
+          </p:cNvPr>
+          <p:cNvSpPr txBox="1"/>
+          <p:nvPr/>
+        </p:nvSpPr>
+        <p:spPr>
+          <a:xfrm>
+            <a:off x="-1" y="0"/>
+            <a:ext cx="5795011" cy="461665"/>
+          </a:xfrm>
+          <a:prstGeom prst="rect">
+            <a:avLst/>
+          </a:prstGeom>
+          <a:noFill/>
+        </p:spPr>
+        <p:txBody>
+          <a:bodyPr wrap="square" rtlCol="0">
+            <a:spAutoFit/>
+          </a:bodyPr>
+          <a:lstStyle/>
+          <a:p>
+            <a:r>
+              <a:rPr lang="en-US" sz="2400" b="1" dirty="0"/>
+              <a:t>Backhoe 260b – use with 1025R</a:t>
+            </a:r>
+            <a:endParaRPr lang="en-US" sz="2400" b="1" i="0" dirty="0">
+              <a:solidFill>
+                <a:srgbClr val="333333"/>
+              </a:solidFill>
+              <a:effectLst/>
+            </a:endParaRPr>
+          </a:p>
+        </p:txBody>
+      </p:sp>
+      <p:sp>
+        <p:nvSpPr>
+          <p:cNvPr id="8" name="TextBox 7">
+            <a:extLst>
+              <a:ext uri="{FF2B5EF4-FFF2-40B4-BE49-F238E27FC236}">
+                <a16:creationId xmlns:a16="http://schemas.microsoft.com/office/drawing/2014/main" id="{35142E32-C181-0E67-D824-B9B20B3A3D6E}"/>
+              </a:ext>
+            </a:extLst>
+          </p:cNvPr>
+          <p:cNvSpPr txBox="1"/>
+          <p:nvPr/>
+        </p:nvSpPr>
+        <p:spPr>
+          <a:xfrm>
+            <a:off x="262129" y="4908477"/>
+            <a:ext cx="3785442" cy="1169551"/>
+          </a:xfrm>
+          <a:prstGeom prst="rect">
+            <a:avLst/>
+          </a:prstGeom>
+          <a:solidFill>
+            <a:schemeClr val="accent4">
+              <a:lumMod val="20000"/>
+              <a:lumOff val="80000"/>
+            </a:schemeClr>
+          </a:solidFill>
+          <a:ln>
+            <a:solidFill>
+              <a:srgbClr val="FF0000"/>
+            </a:solidFill>
+          </a:ln>
+        </p:spPr>
+        <p:txBody>
+          <a:bodyPr wrap="square" rtlCol="0">
+            <a:spAutoFit/>
+          </a:bodyPr>
+          <a:lstStyle/>
+          <a:p>
+            <a:r>
+              <a:rPr lang="en-US" sz="1400" dirty="0"/>
+              <a:t>Both have diesel engine.</a:t>
+            </a:r>
+          </a:p>
+          <a:p>
+            <a:pPr marL="285750" indent="-285750">
+              <a:buFont typeface="Arial" panose="020B0604020202020204" pitchFamily="34" charset="0"/>
+              <a:buChar char="•"/>
+            </a:pPr>
+            <a:r>
+              <a:rPr lang="en-US" sz="1400" dirty="0"/>
+              <a:t>X758 is a garden tractor (mowing, with optional 3-point hitch and PTO)</a:t>
+            </a:r>
+          </a:p>
+          <a:p>
+            <a:pPr marL="285750" indent="-285750">
+              <a:buFont typeface="Arial" panose="020B0604020202020204" pitchFamily="34" charset="0"/>
+              <a:buChar char="•"/>
+            </a:pPr>
+            <a:r>
+              <a:rPr lang="en-US" sz="1400" dirty="0"/>
+              <a:t>1025R is a true sub-compact utility tractor (loader, backhoe, ...), heavier</a:t>
+            </a:r>
+          </a:p>
+        </p:txBody>
+      </p:sp>
+      <p:sp>
+        <p:nvSpPr>
+          <p:cNvPr id="10" name="TextBox 9">
+            <a:extLst>
+              <a:ext uri="{FF2B5EF4-FFF2-40B4-BE49-F238E27FC236}">
+                <a16:creationId xmlns:a16="http://schemas.microsoft.com/office/drawing/2014/main" id="{C07A5335-F21F-B70C-10CA-17B4527A0A87}"/>
+              </a:ext>
+            </a:extLst>
+          </p:cNvPr>
+          <p:cNvSpPr txBox="1"/>
+          <p:nvPr/>
+        </p:nvSpPr>
+        <p:spPr>
+          <a:xfrm>
+            <a:off x="262129" y="775454"/>
+            <a:ext cx="4025666" cy="646331"/>
+          </a:xfrm>
+          <a:prstGeom prst="rect">
+            <a:avLst/>
+          </a:prstGeom>
+          <a:solidFill>
+            <a:schemeClr val="accent4">
+              <a:lumMod val="20000"/>
+              <a:lumOff val="80000"/>
+            </a:schemeClr>
+          </a:solidFill>
+          <a:ln>
+            <a:solidFill>
+              <a:srgbClr val="FF0000"/>
+            </a:solidFill>
+          </a:ln>
+        </p:spPr>
+        <p:txBody>
+          <a:bodyPr wrap="square" rtlCol="0">
+            <a:spAutoFit/>
+          </a:bodyPr>
+          <a:lstStyle/>
+          <a:p>
+            <a:r>
+              <a:rPr lang="en-US" dirty="0"/>
+              <a:t> </a:t>
+            </a:r>
+            <a:r>
+              <a:rPr lang="en-US" b="1" dirty="0"/>
+              <a:t>1025R                    vs                     X758</a:t>
+            </a:r>
+          </a:p>
+          <a:p>
+            <a:r>
+              <a:rPr lang="en-US" dirty="0">
+                <a:solidFill>
+                  <a:srgbClr val="00B0F0"/>
+                </a:solidFill>
+              </a:rPr>
+              <a:t>1,444 </a:t>
+            </a:r>
+            <a:r>
+              <a:rPr lang="en-US" dirty="0" err="1">
+                <a:solidFill>
+                  <a:srgbClr val="00B0F0"/>
+                </a:solidFill>
+              </a:rPr>
+              <a:t>lbs</a:t>
+            </a:r>
+            <a:r>
+              <a:rPr lang="en-US" dirty="0">
+                <a:solidFill>
+                  <a:srgbClr val="00B0F0"/>
+                </a:solidFill>
+              </a:rPr>
+              <a:t>                                     1,038 </a:t>
+            </a:r>
+            <a:r>
+              <a:rPr lang="en-US" dirty="0" err="1">
+                <a:solidFill>
+                  <a:srgbClr val="00B0F0"/>
+                </a:solidFill>
+              </a:rPr>
+              <a:t>lbs</a:t>
+            </a:r>
+            <a:endParaRPr lang="en-US" dirty="0">
+              <a:solidFill>
+                <a:srgbClr val="00B0F0"/>
+              </a:solidFill>
+            </a:endParaRPr>
+          </a:p>
+        </p:txBody>
+      </p:sp>
+      <p:pic>
+        <p:nvPicPr>
+          <p:cNvPr id="12" name="Picture 11">
+            <a:extLst>
+              <a:ext uri="{FF2B5EF4-FFF2-40B4-BE49-F238E27FC236}">
+                <a16:creationId xmlns:a16="http://schemas.microsoft.com/office/drawing/2014/main" id="{A51D59ED-5F71-0F01-8820-0894D5257F74}"/>
+              </a:ext>
+            </a:extLst>
+          </p:cNvPr>
+          <p:cNvPicPr>
+            <a:picLocks noChangeAspect="1"/>
+          </p:cNvPicPr>
+          <p:nvPr/>
+        </p:nvPicPr>
+        <p:blipFill>
+          <a:blip r:embed="rId2" cstate="email">
+            <a:extLst>
+              <a:ext uri="{28A0092B-C50C-407E-A947-70E740481C1C}">
+                <a14:useLocalDpi xmlns:a14="http://schemas.microsoft.com/office/drawing/2010/main"/>
+              </a:ext>
+            </a:extLst>
+          </a:blip>
+          <a:stretch>
+            <a:fillRect/>
+          </a:stretch>
+        </p:blipFill>
+        <p:spPr>
+          <a:xfrm>
+            <a:off x="6319920" y="775454"/>
+            <a:ext cx="1530350" cy="1200150"/>
+          </a:xfrm>
+          <a:prstGeom prst="rect">
+            <a:avLst/>
+          </a:prstGeom>
+        </p:spPr>
+      </p:pic>
+      <p:pic>
+        <p:nvPicPr>
+          <p:cNvPr id="1028" name="Picture 4" descr="x758 vs 1025r: new owner impressions | My Tractor Forum">
+            <a:extLst>
+              <a:ext uri="{FF2B5EF4-FFF2-40B4-BE49-F238E27FC236}">
+                <a16:creationId xmlns:a16="http://schemas.microsoft.com/office/drawing/2014/main" id="{D39A302E-B690-CEFB-D141-4C0015B9AD44}"/>
+              </a:ext>
+            </a:extLst>
+          </p:cNvPr>
+          <p:cNvPicPr>
+            <a:picLocks noChangeAspect="1" noChangeArrowheads="1"/>
+          </p:cNvPicPr>
+          <p:nvPr/>
+        </p:nvPicPr>
+        <p:blipFill>
+          <a:blip r:embed="rId3" cstate="email">
+            <a:extLst>
+              <a:ext uri="{28A0092B-C50C-407E-A947-70E740481C1C}">
+                <a14:useLocalDpi xmlns:a14="http://schemas.microsoft.com/office/drawing/2010/main"/>
+              </a:ext>
+            </a:extLst>
+          </a:blip>
+          <a:srcRect/>
+          <a:stretch>
+            <a:fillRect/>
+          </a:stretch>
+        </p:blipFill>
+        <p:spPr bwMode="auto">
+          <a:xfrm>
+            <a:off x="262128" y="1908858"/>
+            <a:ext cx="3785443" cy="2839082"/>
+          </a:xfrm>
+          <a:prstGeom prst="rect">
+            <a:avLst/>
+          </a:prstGeom>
+          <a:noFill/>
+          <a:extLst>
+            <a:ext uri="{909E8E84-426E-40DD-AFC4-6F175D3DCCD1}">
+              <a14:hiddenFill xmlns:a14="http://schemas.microsoft.com/office/drawing/2010/main">
+                <a:solidFill>
+                  <a:srgbClr val="FFFFFF"/>
+                </a:solidFill>
+              </a14:hiddenFill>
+            </a:ext>
+          </a:extLst>
+        </p:spPr>
+      </p:pic>
+      <p:sp>
+        <p:nvSpPr>
+          <p:cNvPr id="3" name="TextBox 2">
+            <a:extLst>
+              <a:ext uri="{FF2B5EF4-FFF2-40B4-BE49-F238E27FC236}">
+                <a16:creationId xmlns:a16="http://schemas.microsoft.com/office/drawing/2014/main" id="{CB433DF0-0233-7D34-B848-B85F405E6B77}"/>
+              </a:ext>
+            </a:extLst>
+          </p:cNvPr>
+          <p:cNvSpPr txBox="1"/>
+          <p:nvPr/>
+        </p:nvSpPr>
+        <p:spPr>
+          <a:xfrm>
+            <a:off x="6319920" y="2182287"/>
+            <a:ext cx="5609951" cy="3031599"/>
+          </a:xfrm>
+          <a:prstGeom prst="rect">
+            <a:avLst/>
+          </a:prstGeom>
+          <a:solidFill>
+            <a:schemeClr val="accent4">
+              <a:lumMod val="20000"/>
+              <a:lumOff val="80000"/>
+            </a:schemeClr>
+          </a:solidFill>
+          <a:ln>
+            <a:solidFill>
+              <a:srgbClr val="FF0000"/>
+            </a:solidFill>
+          </a:ln>
+        </p:spPr>
+        <p:txBody>
+          <a:bodyPr wrap="square" rtlCol="0">
+            <a:spAutoFit/>
+          </a:bodyPr>
+          <a:lstStyle/>
+          <a:p>
+            <a:r>
+              <a:rPr lang="en-US" dirty="0"/>
+              <a:t>X700 series 4WD models: </a:t>
+            </a:r>
+          </a:p>
+          <a:p>
+            <a:r>
+              <a:rPr lang="en-US" dirty="0"/>
+              <a:t>X738, X739, X758</a:t>
+            </a:r>
+          </a:p>
+          <a:p>
+            <a:r>
+              <a:rPr lang="en-US" sz="1100" dirty="0">
+                <a:hlinkClick r:id="rId4"/>
+              </a:rPr>
+              <a:t>https://</a:t>
+            </a:r>
+            <a:r>
+              <a:rPr lang="en-US" sz="1100" dirty="0" err="1">
+                <a:hlinkClick r:id="rId4"/>
+              </a:rPr>
+              <a:t>www.deere.com</a:t>
+            </a:r>
+            <a:r>
+              <a:rPr lang="en-US" sz="1100" dirty="0">
+                <a:hlinkClick r:id="rId4"/>
+              </a:rPr>
+              <a:t>/</a:t>
+            </a:r>
+            <a:r>
+              <a:rPr lang="en-US" sz="1100" dirty="0" err="1">
+                <a:hlinkClick r:id="rId4"/>
+              </a:rPr>
+              <a:t>en</a:t>
+            </a:r>
+            <a:r>
+              <a:rPr lang="en-US" sz="1100" dirty="0">
+                <a:hlinkClick r:id="rId4"/>
+              </a:rPr>
+              <a:t>/mowers/lawn-tractors/x700-series/ </a:t>
+            </a:r>
+            <a:endParaRPr lang="en-US" sz="1100" dirty="0"/>
+          </a:p>
+          <a:p>
+            <a:endParaRPr lang="en-US" dirty="0"/>
+          </a:p>
+          <a:p>
+            <a:pPr marL="285750" indent="-285750">
+              <a:buFont typeface="Arial" panose="020B0604020202020204" pitchFamily="34" charset="0"/>
+              <a:buChar char="•"/>
+            </a:pPr>
+            <a:r>
+              <a:rPr lang="en-US" sz="1400" dirty="0"/>
+              <a:t>All accept mowing decks 48, 54, 60 inches</a:t>
+            </a:r>
+          </a:p>
+          <a:p>
+            <a:pPr marL="285750" indent="-285750">
+              <a:buFont typeface="Arial" panose="020B0604020202020204" pitchFamily="34" charset="0"/>
+              <a:buChar char="•"/>
+            </a:pPr>
+            <a:r>
+              <a:rPr lang="en-US" sz="1400" dirty="0"/>
+              <a:t>All have power lift - two-function hydraulic lift system to raise and lower attachments (mower decks, front blades, snow blowers, or rotary brooms)</a:t>
+            </a:r>
+          </a:p>
+          <a:p>
+            <a:pPr marL="285750" indent="-285750">
+              <a:buFont typeface="Arial" panose="020B0604020202020204" pitchFamily="34" charset="0"/>
+              <a:buChar char="•"/>
+            </a:pPr>
+            <a:r>
+              <a:rPr lang="en-US" sz="1400" dirty="0"/>
+              <a:t>Prices: $17..$19K</a:t>
+            </a:r>
+          </a:p>
+          <a:p>
+            <a:endParaRPr lang="en-US" sz="1400" dirty="0"/>
+          </a:p>
+          <a:p>
+            <a:pPr marL="285750" indent="-285750">
+              <a:buFont typeface="Arial" panose="020B0604020202020204" pitchFamily="34" charset="0"/>
+              <a:buChar char="•"/>
+            </a:pPr>
+            <a:r>
+              <a:rPr lang="en-US" sz="1400" dirty="0"/>
+              <a:t>X738 4wd, gas, fuel injection, V-twin, power lift, 947 </a:t>
+            </a:r>
+            <a:r>
+              <a:rPr lang="en-US" sz="1400" dirty="0" err="1"/>
+              <a:t>lbs</a:t>
+            </a:r>
+            <a:endParaRPr lang="en-US" sz="1400" dirty="0"/>
+          </a:p>
+          <a:p>
+            <a:pPr marL="285750" indent="-285750">
+              <a:buFont typeface="Arial" panose="020B0604020202020204" pitchFamily="34" charset="0"/>
+              <a:buChar char="•"/>
+            </a:pPr>
+            <a:r>
+              <a:rPr lang="en-US" sz="1400" dirty="0"/>
+              <a:t>X739 4wd, gas, fuel injection, V-twin, power lift, 4-wheel steer</a:t>
+            </a:r>
+          </a:p>
+          <a:p>
+            <a:pPr marL="285750" indent="-285750">
+              <a:buFont typeface="Arial" panose="020B0604020202020204" pitchFamily="34" charset="0"/>
+              <a:buChar char="•"/>
+            </a:pPr>
+            <a:r>
+              <a:rPr lang="en-US" sz="1400" dirty="0"/>
+              <a:t>X758 4wd, diesel, power lift , 1,038 </a:t>
+            </a:r>
+            <a:r>
+              <a:rPr lang="en-US" sz="1400" dirty="0" err="1"/>
+              <a:t>lbs</a:t>
+            </a:r>
+            <a:endParaRPr lang="en-US" sz="1400" dirty="0"/>
+          </a:p>
+        </p:txBody>
+      </p:sp>
+    </p:spTree>
+    <p:extLst>
+      <p:ext uri="{BB962C8B-B14F-4D97-AF65-F5344CB8AC3E}">
+        <p14:creationId xmlns:p14="http://schemas.microsoft.com/office/powerpoint/2010/main" val="2959317044"/>
+      </p:ext>
+    </p:extLst>
+  </p:cSld>
+  <p:clrMapOvr>
+    <a:masterClrMapping/>
+  </p:clrMapOvr>
+</p:sld>
+</file>
+
+<file path=ppt/slides/slide5.xml><?xml version="1.0" encoding="utf-8"?>
+<p:sld xmlns:a="http://schemas.openxmlformats.org/drawingml/2006/main" xmlns:r="http://schemas.openxmlformats.org/officeDocument/2006/relationships" xmlns:p="http://schemas.openxmlformats.org/presentationml/2006/main">
+  <p:cSld>
+    <p:spTree>
+      <p:nvGrpSpPr>
         <p:cNvPr id="1" name=""/>
         <p:cNvGrpSpPr/>
         <p:nvPr/>
@@ -5499,7 +6114,7 @@
 </p:sld>
 </file>
 
-<file path=ppt/slides/slide5.xml><?xml version="1.0" encoding="utf-8"?>
+<file path=ppt/slides/slide6.xml><?xml version="1.0" encoding="utf-8"?>
 <p:sld xmlns:a="http://schemas.openxmlformats.org/drawingml/2006/main" xmlns:r="http://schemas.openxmlformats.org/officeDocument/2006/relationships" xmlns:p="http://schemas.openxmlformats.org/presentationml/2006/main">
   <p:cSld>
     <p:spTree>

--- a/tractor_jd_1025r_X738.pptx
+++ b/tractor_jd_1025r_X738.pptx
@@ -263,7 +263,7 @@
           <a:lstStyle/>
           <a:p>
             <a:fld id="{16286276-9013-2A43-82D1-BA4685C95117}" type="datetimeFigureOut">
-              <a:t>8/23/25</a:t>
+              <a:t>9/17/25</a:t>
             </a:fld>
             <a:endParaRPr lang="en-US"/>
           </a:p>
@@ -459,7 +459,7 @@
           <a:lstStyle/>
           <a:p>
             <a:fld id="{16286276-9013-2A43-82D1-BA4685C95117}" type="datetimeFigureOut">
-              <a:t>8/23/25</a:t>
+              <a:t>9/17/25</a:t>
             </a:fld>
             <a:endParaRPr lang="en-US"/>
           </a:p>
@@ -665,7 +665,7 @@
           <a:lstStyle/>
           <a:p>
             <a:fld id="{16286276-9013-2A43-82D1-BA4685C95117}" type="datetimeFigureOut">
-              <a:t>8/23/25</a:t>
+              <a:t>9/17/25</a:t>
             </a:fld>
             <a:endParaRPr lang="en-US"/>
           </a:p>
@@ -861,7 +861,7 @@
           <a:lstStyle/>
           <a:p>
             <a:fld id="{16286276-9013-2A43-82D1-BA4685C95117}" type="datetimeFigureOut">
-              <a:t>8/23/25</a:t>
+              <a:t>9/17/25</a:t>
             </a:fld>
             <a:endParaRPr lang="en-US"/>
           </a:p>
@@ -1134,7 +1134,7 @@
           <a:lstStyle/>
           <a:p>
             <a:fld id="{16286276-9013-2A43-82D1-BA4685C95117}" type="datetimeFigureOut">
-              <a:t>8/23/25</a:t>
+              <a:t>9/17/25</a:t>
             </a:fld>
             <a:endParaRPr lang="en-US"/>
           </a:p>
@@ -1397,7 +1397,7 @@
           <a:lstStyle/>
           <a:p>
             <a:fld id="{16286276-9013-2A43-82D1-BA4685C95117}" type="datetimeFigureOut">
-              <a:t>8/23/25</a:t>
+              <a:t>9/17/25</a:t>
             </a:fld>
             <a:endParaRPr lang="en-US"/>
           </a:p>
@@ -1807,7 +1807,7 @@
           <a:lstStyle/>
           <a:p>
             <a:fld id="{16286276-9013-2A43-82D1-BA4685C95117}" type="datetimeFigureOut">
-              <a:t>8/23/25</a:t>
+              <a:t>9/17/25</a:t>
             </a:fld>
             <a:endParaRPr lang="en-US"/>
           </a:p>
@@ -1946,7 +1946,7 @@
           <a:lstStyle/>
           <a:p>
             <a:fld id="{16286276-9013-2A43-82D1-BA4685C95117}" type="datetimeFigureOut">
-              <a:t>8/23/25</a:t>
+              <a:t>9/17/25</a:t>
             </a:fld>
             <a:endParaRPr lang="en-US"/>
           </a:p>
@@ -2057,7 +2057,7 @@
           <a:lstStyle/>
           <a:p>
             <a:fld id="{16286276-9013-2A43-82D1-BA4685C95117}" type="datetimeFigureOut">
-              <a:t>8/23/25</a:t>
+              <a:t>9/17/25</a:t>
             </a:fld>
             <a:endParaRPr lang="en-US"/>
           </a:p>
@@ -2366,7 +2366,7 @@
           <a:lstStyle/>
           <a:p>
             <a:fld id="{16286276-9013-2A43-82D1-BA4685C95117}" type="datetimeFigureOut">
-              <a:t>8/23/25</a:t>
+              <a:t>9/17/25</a:t>
             </a:fld>
             <a:endParaRPr lang="en-US"/>
           </a:p>
@@ -2652,7 +2652,7 @@
           <a:lstStyle/>
           <a:p>
             <a:fld id="{16286276-9013-2A43-82D1-BA4685C95117}" type="datetimeFigureOut">
-              <a:t>8/23/25</a:t>
+              <a:t>9/17/25</a:t>
             </a:fld>
             <a:endParaRPr lang="en-US"/>
           </a:p>
@@ -2891,7 +2891,7 @@
           </a:lstStyle>
           <a:p>
             <a:fld id="{16286276-9013-2A43-82D1-BA4685C95117}" type="datetimeFigureOut">
-              <a:t>8/23/25</a:t>
+              <a:t>9/17/25</a:t>
             </a:fld>
             <a:endParaRPr lang="en-US"/>
           </a:p>
@@ -5077,8 +5077,8 @@
         </p:nvSpPr>
         <p:spPr>
           <a:xfrm>
-            <a:off x="6086560" y="2349633"/>
-            <a:ext cx="5980472" cy="3108543"/>
+            <a:off x="6086560" y="2323154"/>
+            <a:ext cx="4093760" cy="2800767"/>
           </a:xfrm>
           <a:prstGeom prst="rect">
             <a:avLst/>
@@ -5102,140 +5102,332 @@
           <a:lstStyle/>
           <a:p>
             <a:r>
-              <a:rPr lang="en-US" sz="1400" dirty="0">
-                <a:latin typeface="Calibri" panose="020F0502020204030204" pitchFamily="34" charset="0"/>
-                <a:cs typeface="Calibri" panose="020F0502020204030204" pitchFamily="34" charset="0"/>
-              </a:rPr>
-              <a:t>X738 4wd, gas, fuel injection</a:t>
-            </a:r>
-          </a:p>
-          <a:p>
-            <a:r>
-              <a:rPr lang="en-US" sz="1400" dirty="0">
-                <a:latin typeface="Calibri" panose="020F0502020204030204" pitchFamily="34" charset="0"/>
-                <a:cs typeface="Calibri" panose="020F0502020204030204" pitchFamily="34" charset="0"/>
-              </a:rPr>
-              <a:t>X739 4wd, gas, fuel injection, 4-wheel steer</a:t>
-            </a:r>
-          </a:p>
-          <a:p>
-            <a:r>
-              <a:rPr lang="en-US" sz="1400" dirty="0">
-                <a:latin typeface="Calibri" panose="020F0502020204030204" pitchFamily="34" charset="0"/>
-                <a:cs typeface="Calibri" panose="020F0502020204030204" pitchFamily="34" charset="0"/>
-              </a:rPr>
-              <a:t>X758 4wd, diesel</a:t>
-            </a:r>
-          </a:p>
-          <a:p>
-            <a:r>
-              <a:rPr lang="en-US" sz="1400" dirty="0">
-                <a:latin typeface="Calibri" panose="020F0502020204030204" pitchFamily="34" charset="0"/>
-                <a:cs typeface="Calibri" panose="020F0502020204030204" pitchFamily="34" charset="0"/>
-              </a:rPr>
-              <a:t>---------</a:t>
-            </a:r>
-          </a:p>
-          <a:p>
-            <a:r>
-              <a:rPr lang="en-US" sz="1400" dirty="0">
-                <a:latin typeface="Calibri" panose="020F0502020204030204" pitchFamily="34" charset="0"/>
-                <a:cs typeface="Calibri" panose="020F0502020204030204" pitchFamily="34" charset="0"/>
-              </a:rPr>
-              <a:t>X584 4wd, gas, carburetor</a:t>
-            </a:r>
-          </a:p>
-          <a:p>
-            <a:r>
-              <a:rPr lang="en-US" sz="1400" dirty="0">
-                <a:latin typeface="Calibri" panose="020F0502020204030204" pitchFamily="34" charset="0"/>
-                <a:cs typeface="Calibri" panose="020F0502020204030204" pitchFamily="34" charset="0"/>
-              </a:rPr>
-              <a:t>X590 2wd, gas, Fuel Injection</a:t>
-            </a:r>
-          </a:p>
-          <a:p>
-            <a:r>
-              <a:rPr lang="en-US" sz="1400" dirty="0">
-                <a:latin typeface="Calibri" panose="020F0502020204030204" pitchFamily="34" charset="0"/>
-                <a:cs typeface="Calibri" panose="020F0502020204030204" pitchFamily="34" charset="0"/>
-              </a:rPr>
-              <a:t>X594 4wd, gas, carburetor – very rare</a:t>
-            </a:r>
-          </a:p>
-          <a:p>
-            <a:r>
-              <a:rPr lang="en-US" sz="1400" dirty="0">
-                <a:latin typeface="Calibri" panose="020F0502020204030204" pitchFamily="34" charset="0"/>
-                <a:cs typeface="Calibri" panose="020F0502020204030204" pitchFamily="34" charset="0"/>
-              </a:rPr>
-              <a:t>---------</a:t>
-            </a:r>
-          </a:p>
-          <a:p>
-            <a:r>
-              <a:rPr lang="en-US" sz="1400" dirty="0">
+              <a:rPr lang="en-US" sz="1100" dirty="0">
+                <a:latin typeface="Menlo" panose="020B0609030804020204" pitchFamily="49" charset="0"/>
+                <a:ea typeface="Menlo" panose="020B0609030804020204" pitchFamily="49" charset="0"/>
+                <a:cs typeface="Menlo" panose="020B0609030804020204" pitchFamily="49" charset="0"/>
+              </a:rPr>
+              <a:t>JD-425 2wd gas carburetor</a:t>
+            </a:r>
+          </a:p>
+          <a:p>
+            <a:r>
+              <a:rPr lang="en-US" sz="1100" dirty="0">
+                <a:latin typeface="Menlo" panose="020B0609030804020204" pitchFamily="49" charset="0"/>
+                <a:ea typeface="Menlo" panose="020B0609030804020204" pitchFamily="49" charset="0"/>
+                <a:cs typeface="Menlo" panose="020B0609030804020204" pitchFamily="49" charset="0"/>
+              </a:rPr>
+              <a:t>JD-445 2wd gas fuel injection</a:t>
+            </a:r>
+          </a:p>
+          <a:p>
+            <a:r>
+              <a:rPr lang="en-US" sz="1100" b="1" dirty="0">
                 <a:solidFill>
                   <a:srgbClr val="FF0000"/>
                 </a:solidFill>
-                <a:latin typeface="Calibri" panose="020F0502020204030204" pitchFamily="34" charset="0"/>
-                <a:cs typeface="Calibri" panose="020F0502020204030204" pitchFamily="34" charset="0"/>
-              </a:rPr>
-              <a:t>X485 4wd, gas, fuel injection</a:t>
-            </a:r>
-          </a:p>
-          <a:p>
-            <a:r>
-              <a:rPr lang="en-US" sz="1400" dirty="0">
+                <a:latin typeface="Menlo" panose="020B0609030804020204" pitchFamily="49" charset="0"/>
+                <a:ea typeface="Menlo" panose="020B0609030804020204" pitchFamily="49" charset="0"/>
+                <a:cs typeface="Menlo" panose="020B0609030804020204" pitchFamily="49" charset="0"/>
+              </a:rPr>
+              <a:t>JD-455 2wd diesel</a:t>
+            </a:r>
+            <a:r>
+              <a:rPr lang="en-US" sz="1100" dirty="0">
+                <a:latin typeface="Menlo" panose="020B0609030804020204" pitchFamily="49" charset="0"/>
+                <a:ea typeface="Menlo" panose="020B0609030804020204" pitchFamily="49" charset="0"/>
+                <a:cs typeface="Menlo" panose="020B0609030804020204" pitchFamily="49" charset="0"/>
+              </a:rPr>
+              <a:t> - </a:t>
+            </a:r>
+            <a:r>
+              <a:rPr lang="en-US" sz="1100" dirty="0">
+                <a:latin typeface="Menlo" panose="020B0609030804020204" pitchFamily="49" charset="0"/>
+                <a:ea typeface="Menlo" panose="020B0609030804020204" pitchFamily="49" charset="0"/>
+                <a:cs typeface="Menlo" panose="020B0609030804020204" pitchFamily="49" charset="0"/>
+                <a:hlinkClick r:id="rId5"/>
+              </a:rPr>
+              <a:t>link</a:t>
+            </a:r>
+            <a:endParaRPr lang="en-US" sz="1100" b="1" dirty="0">
+              <a:solidFill>
+                <a:srgbClr val="FF0000"/>
+              </a:solidFill>
+              <a:latin typeface="Menlo" panose="020B0609030804020204" pitchFamily="49" charset="0"/>
+              <a:ea typeface="Menlo" panose="020B0609030804020204" pitchFamily="49" charset="0"/>
+              <a:cs typeface="Menlo" panose="020B0609030804020204" pitchFamily="49" charset="0"/>
+            </a:endParaRPr>
+          </a:p>
+          <a:p>
+            <a:r>
+              <a:rPr lang="en-US" sz="1100" dirty="0">
+                <a:latin typeface="Menlo" panose="020B0609030804020204" pitchFamily="49" charset="0"/>
+                <a:ea typeface="Menlo" panose="020B0609030804020204" pitchFamily="49" charset="0"/>
+                <a:cs typeface="Menlo" panose="020B0609030804020204" pitchFamily="49" charset="0"/>
+              </a:rPr>
+              <a:t>---------</a:t>
+            </a:r>
+          </a:p>
+          <a:p>
+            <a:r>
+              <a:rPr lang="en-US" sz="1100" dirty="0">
+                <a:latin typeface="Menlo" panose="020B0609030804020204" pitchFamily="49" charset="0"/>
+                <a:ea typeface="Menlo" panose="020B0609030804020204" pitchFamily="49" charset="0"/>
+                <a:cs typeface="Menlo" panose="020B0609030804020204" pitchFamily="49" charset="0"/>
+              </a:rPr>
+              <a:t>X485 4wd gas fuel injection</a:t>
+            </a:r>
+          </a:p>
+          <a:p>
+            <a:r>
+              <a:rPr lang="en-US" sz="1100" b="1" dirty="0">
                 <a:solidFill>
                   <a:srgbClr val="FF0000"/>
                 </a:solidFill>
-                <a:latin typeface="Calibri" panose="020F0502020204030204" pitchFamily="34" charset="0"/>
-                <a:cs typeface="Calibri" panose="020F0502020204030204" pitchFamily="34" charset="0"/>
-              </a:rPr>
-              <a:t>X495 4wd, diesel </a:t>
-            </a:r>
-          </a:p>
-          <a:p>
-            <a:r>
-              <a:rPr lang="en-US" sz="1400" dirty="0">
-                <a:latin typeface="Calibri" panose="020F0502020204030204" pitchFamily="34" charset="0"/>
-                <a:cs typeface="Calibri" panose="020F0502020204030204" pitchFamily="34" charset="0"/>
-              </a:rPr>
-              <a:t>---------------</a:t>
-            </a:r>
-          </a:p>
-          <a:p>
-            <a:r>
-              <a:rPr lang="en-US" sz="1400" dirty="0">
-                <a:latin typeface="Calibri" panose="020F0502020204030204" pitchFamily="34" charset="0"/>
-                <a:cs typeface="Calibri" panose="020F0502020204030204" pitchFamily="34" charset="0"/>
-              </a:rPr>
-              <a:t>JD-425 – 2wd, gas, carburetor</a:t>
-            </a:r>
-          </a:p>
-          <a:p>
-            <a:r>
-              <a:rPr lang="en-US" sz="1400" dirty="0">
+                <a:latin typeface="Menlo" panose="020B0609030804020204" pitchFamily="49" charset="0"/>
+                <a:ea typeface="Menlo" panose="020B0609030804020204" pitchFamily="49" charset="0"/>
+                <a:cs typeface="Menlo" panose="020B0609030804020204" pitchFamily="49" charset="0"/>
+              </a:rPr>
+              <a:t>X495 2wd diesel  (2002-2005)</a:t>
+            </a:r>
+            <a:r>
+              <a:rPr lang="en-US" sz="1100" dirty="0">
+                <a:latin typeface="Menlo" panose="020B0609030804020204" pitchFamily="49" charset="0"/>
+                <a:ea typeface="Menlo" panose="020B0609030804020204" pitchFamily="49" charset="0"/>
+                <a:cs typeface="Menlo" panose="020B0609030804020204" pitchFamily="49" charset="0"/>
+              </a:rPr>
+              <a:t> - </a:t>
+            </a:r>
+            <a:r>
+              <a:rPr lang="en-US" sz="1100" dirty="0">
+                <a:latin typeface="Menlo" panose="020B0609030804020204" pitchFamily="49" charset="0"/>
+                <a:ea typeface="Menlo" panose="020B0609030804020204" pitchFamily="49" charset="0"/>
+                <a:cs typeface="Menlo" panose="020B0609030804020204" pitchFamily="49" charset="0"/>
+                <a:hlinkClick r:id="rId6"/>
+              </a:rPr>
+              <a:t>link</a:t>
+            </a:r>
+            <a:r>
+              <a:rPr lang="en-US" sz="1100" dirty="0">
+                <a:latin typeface="Menlo" panose="020B0609030804020204" pitchFamily="49" charset="0"/>
+                <a:ea typeface="Menlo" panose="020B0609030804020204" pitchFamily="49" charset="0"/>
+                <a:cs typeface="Menlo" panose="020B0609030804020204" pitchFamily="49" charset="0"/>
+              </a:rPr>
+              <a:t> </a:t>
+            </a:r>
+          </a:p>
+          <a:p>
+            <a:r>
+              <a:rPr lang="en-US" sz="1100" dirty="0">
+                <a:latin typeface="Menlo" panose="020B0609030804020204" pitchFamily="49" charset="0"/>
+                <a:ea typeface="Menlo" panose="020B0609030804020204" pitchFamily="49" charset="0"/>
+                <a:cs typeface="Menlo" panose="020B0609030804020204" pitchFamily="49" charset="0"/>
+              </a:rPr>
+              <a:t>---------</a:t>
+            </a:r>
+          </a:p>
+          <a:p>
+            <a:r>
+              <a:rPr lang="en-US" sz="1100" dirty="0">
+                <a:latin typeface="Menlo" panose="020B0609030804020204" pitchFamily="49" charset="0"/>
+                <a:ea typeface="Menlo" panose="020B0609030804020204" pitchFamily="49" charset="0"/>
+                <a:cs typeface="Menlo" panose="020B0609030804020204" pitchFamily="49" charset="0"/>
+              </a:rPr>
+              <a:t>X590 2wd gas fuel injection</a:t>
+            </a:r>
+          </a:p>
+          <a:p>
+            <a:r>
+              <a:rPr lang="en-US" sz="1100" b="1" dirty="0">
                 <a:solidFill>
                   <a:srgbClr val="FF0000"/>
                 </a:solidFill>
-                <a:latin typeface="Calibri" panose="020F0502020204030204" pitchFamily="34" charset="0"/>
-                <a:cs typeface="Calibri" panose="020F0502020204030204" pitchFamily="34" charset="0"/>
-              </a:rPr>
-              <a:t>JD-445 – 2wd, gas, fuel injection</a:t>
-            </a:r>
-          </a:p>
-          <a:p>
-            <a:r>
-              <a:rPr lang="en-US" sz="1400" dirty="0">
+                <a:latin typeface="Menlo" panose="020B0609030804020204" pitchFamily="49" charset="0"/>
+                <a:ea typeface="Menlo" panose="020B0609030804020204" pitchFamily="49" charset="0"/>
+                <a:cs typeface="Menlo" panose="020B0609030804020204" pitchFamily="49" charset="0"/>
+              </a:rPr>
+              <a:t>X595 4wd diesel (2002-2005) </a:t>
+            </a:r>
+            <a:r>
+              <a:rPr lang="en-US" sz="1100" dirty="0">
+                <a:latin typeface="Menlo" panose="020B0609030804020204" pitchFamily="49" charset="0"/>
+                <a:ea typeface="Menlo" panose="020B0609030804020204" pitchFamily="49" charset="0"/>
+                <a:cs typeface="Menlo" panose="020B0609030804020204" pitchFamily="49" charset="0"/>
+              </a:rPr>
+              <a:t> - </a:t>
+            </a:r>
+            <a:r>
+              <a:rPr lang="en-US" sz="1100" dirty="0">
+                <a:latin typeface="Menlo" panose="020B0609030804020204" pitchFamily="49" charset="0"/>
+                <a:ea typeface="Menlo" panose="020B0609030804020204" pitchFamily="49" charset="0"/>
+                <a:cs typeface="Menlo" panose="020B0609030804020204" pitchFamily="49" charset="0"/>
+                <a:hlinkClick r:id="rId7"/>
+              </a:rPr>
+              <a:t>link</a:t>
+            </a:r>
+            <a:endParaRPr lang="en-US" sz="1100" b="1" dirty="0">
+              <a:solidFill>
+                <a:srgbClr val="FF0000"/>
+              </a:solidFill>
+              <a:latin typeface="Menlo" panose="020B0609030804020204" pitchFamily="49" charset="0"/>
+              <a:ea typeface="Menlo" panose="020B0609030804020204" pitchFamily="49" charset="0"/>
+              <a:cs typeface="Menlo" panose="020B0609030804020204" pitchFamily="49" charset="0"/>
+            </a:endParaRPr>
+          </a:p>
+          <a:p>
+            <a:r>
+              <a:rPr lang="en-US" sz="1100" dirty="0">
+                <a:latin typeface="Menlo" panose="020B0609030804020204" pitchFamily="49" charset="0"/>
+                <a:ea typeface="Menlo" panose="020B0609030804020204" pitchFamily="49" charset="0"/>
+                <a:cs typeface="Menlo" panose="020B0609030804020204" pitchFamily="49" charset="0"/>
+              </a:rPr>
+              <a:t>---------</a:t>
+            </a:r>
+          </a:p>
+          <a:p>
+            <a:r>
+              <a:rPr lang="en-US" sz="1100" dirty="0">
+                <a:latin typeface="Menlo" panose="020B0609030804020204" pitchFamily="49" charset="0"/>
+                <a:ea typeface="Menlo" panose="020B0609030804020204" pitchFamily="49" charset="0"/>
+                <a:cs typeface="Menlo" panose="020B0609030804020204" pitchFamily="49" charset="0"/>
+              </a:rPr>
+              <a:t>X738, X739 4wd gas fuel injection</a:t>
+            </a:r>
+          </a:p>
+          <a:p>
+            <a:r>
+              <a:rPr lang="en-US" sz="1100" b="1" dirty="0">
                 <a:solidFill>
                   <a:srgbClr val="FF0000"/>
                 </a:solidFill>
-                <a:latin typeface="Calibri" panose="020F0502020204030204" pitchFamily="34" charset="0"/>
-                <a:cs typeface="Calibri" panose="020F0502020204030204" pitchFamily="34" charset="0"/>
-              </a:rPr>
-              <a:t>JD-455 – 2wd, diesel</a:t>
+                <a:latin typeface="Menlo" panose="020B0609030804020204" pitchFamily="49" charset="0"/>
+                <a:ea typeface="Menlo" panose="020B0609030804020204" pitchFamily="49" charset="0"/>
+                <a:cs typeface="Menlo" panose="020B0609030804020204" pitchFamily="49" charset="0"/>
+              </a:rPr>
+              <a:t>X740, X744 </a:t>
+            </a:r>
+            <a:r>
+              <a:rPr lang="en-US" sz="1100" dirty="0">
+                <a:latin typeface="Menlo" panose="020B0609030804020204" pitchFamily="49" charset="0"/>
+                <a:ea typeface="Menlo" panose="020B0609030804020204" pitchFamily="49" charset="0"/>
+                <a:cs typeface="Menlo" panose="020B0609030804020204" pitchFamily="49" charset="0"/>
+              </a:rPr>
+              <a:t>2wd diesel (2006-11)</a:t>
+            </a:r>
+          </a:p>
+          <a:p>
+            <a:r>
+              <a:rPr lang="en-US" sz="1100" b="1" dirty="0">
+                <a:solidFill>
+                  <a:srgbClr val="FF0000"/>
+                </a:solidFill>
+                <a:latin typeface="Menlo" panose="020B0609030804020204" pitchFamily="49" charset="0"/>
+                <a:ea typeface="Menlo" panose="020B0609030804020204" pitchFamily="49" charset="0"/>
+                <a:cs typeface="Menlo" panose="020B0609030804020204" pitchFamily="49" charset="0"/>
+              </a:rPr>
+              <a:t>X748, X749</a:t>
+            </a:r>
+            <a:r>
+              <a:rPr lang="en-US" sz="1100" dirty="0">
+                <a:latin typeface="Menlo" panose="020B0609030804020204" pitchFamily="49" charset="0"/>
+                <a:ea typeface="Menlo" panose="020B0609030804020204" pitchFamily="49" charset="0"/>
+                <a:cs typeface="Menlo" panose="020B0609030804020204" pitchFamily="49" charset="0"/>
+              </a:rPr>
+              <a:t> 4wd diesel (2006-11) - </a:t>
+            </a:r>
+            <a:r>
+              <a:rPr lang="en-US" sz="1100" dirty="0">
+                <a:latin typeface="Menlo" panose="020B0609030804020204" pitchFamily="49" charset="0"/>
+                <a:ea typeface="Menlo" panose="020B0609030804020204" pitchFamily="49" charset="0"/>
+                <a:cs typeface="Menlo" panose="020B0609030804020204" pitchFamily="49" charset="0"/>
+                <a:hlinkClick r:id="rId8"/>
+              </a:rPr>
+              <a:t>link</a:t>
+            </a:r>
+            <a:endParaRPr lang="en-US" sz="1100" dirty="0">
+              <a:latin typeface="Menlo" panose="020B0609030804020204" pitchFamily="49" charset="0"/>
+              <a:ea typeface="Menlo" panose="020B0609030804020204" pitchFamily="49" charset="0"/>
+              <a:cs typeface="Menlo" panose="020B0609030804020204" pitchFamily="49" charset="0"/>
+            </a:endParaRPr>
+          </a:p>
+          <a:p>
+            <a:r>
+              <a:rPr lang="en-US" sz="1100" b="1" dirty="0">
+                <a:solidFill>
+                  <a:srgbClr val="FF0000"/>
+                </a:solidFill>
+                <a:latin typeface="Menlo" panose="020B0609030804020204" pitchFamily="49" charset="0"/>
+                <a:ea typeface="Menlo" panose="020B0609030804020204" pitchFamily="49" charset="0"/>
+                <a:cs typeface="Menlo" panose="020B0609030804020204" pitchFamily="49" charset="0"/>
+              </a:rPr>
+              <a:t>X750, X754</a:t>
+            </a:r>
+            <a:r>
+              <a:rPr lang="en-US" sz="1100" dirty="0">
+                <a:latin typeface="Menlo" panose="020B0609030804020204" pitchFamily="49" charset="0"/>
+                <a:ea typeface="Menlo" panose="020B0609030804020204" pitchFamily="49" charset="0"/>
+                <a:cs typeface="Menlo" panose="020B0609030804020204" pitchFamily="49" charset="0"/>
+              </a:rPr>
+              <a:t> 2wd diesel (2013-present) - </a:t>
+            </a:r>
+            <a:r>
+              <a:rPr lang="en-US" sz="1100" dirty="0">
+                <a:latin typeface="Menlo" panose="020B0609030804020204" pitchFamily="49" charset="0"/>
+                <a:ea typeface="Menlo" panose="020B0609030804020204" pitchFamily="49" charset="0"/>
+                <a:cs typeface="Menlo" panose="020B0609030804020204" pitchFamily="49" charset="0"/>
+                <a:hlinkClick r:id="rId9"/>
+              </a:rPr>
+              <a:t>link</a:t>
+            </a:r>
+            <a:endParaRPr lang="en-US" sz="1100" dirty="0">
+              <a:latin typeface="Menlo" panose="020B0609030804020204" pitchFamily="49" charset="0"/>
+              <a:ea typeface="Menlo" panose="020B0609030804020204" pitchFamily="49" charset="0"/>
+              <a:cs typeface="Menlo" panose="020B0609030804020204" pitchFamily="49" charset="0"/>
+            </a:endParaRPr>
+          </a:p>
+          <a:p>
+            <a:r>
+              <a:rPr lang="en-US" sz="1100" b="1" dirty="0">
+                <a:solidFill>
+                  <a:srgbClr val="FF0000"/>
+                </a:solidFill>
+                <a:latin typeface="Menlo" panose="020B0609030804020204" pitchFamily="49" charset="0"/>
+                <a:ea typeface="Menlo" panose="020B0609030804020204" pitchFamily="49" charset="0"/>
+                <a:cs typeface="Menlo" panose="020B0609030804020204" pitchFamily="49" charset="0"/>
+              </a:rPr>
+              <a:t>X758</a:t>
+            </a:r>
+            <a:r>
+              <a:rPr lang="en-US" sz="1100" dirty="0">
+                <a:latin typeface="Menlo" panose="020B0609030804020204" pitchFamily="49" charset="0"/>
+                <a:ea typeface="Menlo" panose="020B0609030804020204" pitchFamily="49" charset="0"/>
+                <a:cs typeface="Menlo" panose="020B0609030804020204" pitchFamily="49" charset="0"/>
+              </a:rPr>
+              <a:t>       4wd diesel (2013-present) - </a:t>
+            </a:r>
+            <a:r>
+              <a:rPr lang="en-US" sz="1100" dirty="0">
+                <a:latin typeface="Menlo" panose="020B0609030804020204" pitchFamily="49" charset="0"/>
+                <a:ea typeface="Menlo" panose="020B0609030804020204" pitchFamily="49" charset="0"/>
+                <a:cs typeface="Menlo" panose="020B0609030804020204" pitchFamily="49" charset="0"/>
+                <a:hlinkClick r:id="rId9"/>
+              </a:rPr>
+              <a:t>link</a:t>
+            </a:r>
+            <a:endParaRPr lang="en-US" sz="1100" dirty="0">
+              <a:latin typeface="Menlo" panose="020B0609030804020204" pitchFamily="49" charset="0"/>
+              <a:ea typeface="Menlo" panose="020B0609030804020204" pitchFamily="49" charset="0"/>
+              <a:cs typeface="Menlo" panose="020B0609030804020204" pitchFamily="49" charset="0"/>
+            </a:endParaRPr>
+          </a:p>
+          <a:p>
+            <a:r>
+              <a:rPr lang="en-US" sz="1100" dirty="0">
+                <a:latin typeface="Menlo" panose="020B0609030804020204" pitchFamily="49" charset="0"/>
+                <a:ea typeface="Menlo" panose="020B0609030804020204" pitchFamily="49" charset="0"/>
+                <a:cs typeface="Menlo" panose="020B0609030804020204" pitchFamily="49" charset="0"/>
+              </a:rPr>
+              <a:t>---------</a:t>
             </a:r>
           </a:p>
         </p:txBody>

--- a/tractor_jd_1025r_X738.pptx
+++ b/tractor_jd_1025r_X738.pptx
@@ -8,9 +8,8 @@
     <p:sldId id="262" r:id="rId2"/>
     <p:sldId id="258" r:id="rId3"/>
     <p:sldId id="264" r:id="rId4"/>
-    <p:sldId id="265" r:id="rId5"/>
-    <p:sldId id="261" r:id="rId6"/>
-    <p:sldId id="263" r:id="rId7"/>
+    <p:sldId id="261" r:id="rId5"/>
+    <p:sldId id="263" r:id="rId6"/>
   </p:sldIdLst>
   <p:sldSz cx="12192000" cy="6858000"/>
   <p:notesSz cx="6858000" cy="9144000"/>
@@ -263,7 +262,7 @@
           <a:lstStyle/>
           <a:p>
             <a:fld id="{16286276-9013-2A43-82D1-BA4685C95117}" type="datetimeFigureOut">
-              <a:t>9/17/25</a:t>
+              <a:t>9/27/25</a:t>
             </a:fld>
             <a:endParaRPr lang="en-US"/>
           </a:p>
@@ -459,7 +458,7 @@
           <a:lstStyle/>
           <a:p>
             <a:fld id="{16286276-9013-2A43-82D1-BA4685C95117}" type="datetimeFigureOut">
-              <a:t>9/17/25</a:t>
+              <a:t>9/27/25</a:t>
             </a:fld>
             <a:endParaRPr lang="en-US"/>
           </a:p>
@@ -665,7 +664,7 @@
           <a:lstStyle/>
           <a:p>
             <a:fld id="{16286276-9013-2A43-82D1-BA4685C95117}" type="datetimeFigureOut">
-              <a:t>9/17/25</a:t>
+              <a:t>9/27/25</a:t>
             </a:fld>
             <a:endParaRPr lang="en-US"/>
           </a:p>
@@ -861,7 +860,7 @@
           <a:lstStyle/>
           <a:p>
             <a:fld id="{16286276-9013-2A43-82D1-BA4685C95117}" type="datetimeFigureOut">
-              <a:t>9/17/25</a:t>
+              <a:t>9/27/25</a:t>
             </a:fld>
             <a:endParaRPr lang="en-US"/>
           </a:p>
@@ -1134,7 +1133,7 @@
           <a:lstStyle/>
           <a:p>
             <a:fld id="{16286276-9013-2A43-82D1-BA4685C95117}" type="datetimeFigureOut">
-              <a:t>9/17/25</a:t>
+              <a:t>9/27/25</a:t>
             </a:fld>
             <a:endParaRPr lang="en-US"/>
           </a:p>
@@ -1397,7 +1396,7 @@
           <a:lstStyle/>
           <a:p>
             <a:fld id="{16286276-9013-2A43-82D1-BA4685C95117}" type="datetimeFigureOut">
-              <a:t>9/17/25</a:t>
+              <a:t>9/27/25</a:t>
             </a:fld>
             <a:endParaRPr lang="en-US"/>
           </a:p>
@@ -1807,7 +1806,7 @@
           <a:lstStyle/>
           <a:p>
             <a:fld id="{16286276-9013-2A43-82D1-BA4685C95117}" type="datetimeFigureOut">
-              <a:t>9/17/25</a:t>
+              <a:t>9/27/25</a:t>
             </a:fld>
             <a:endParaRPr lang="en-US"/>
           </a:p>
@@ -1946,7 +1945,7 @@
           <a:lstStyle/>
           <a:p>
             <a:fld id="{16286276-9013-2A43-82D1-BA4685C95117}" type="datetimeFigureOut">
-              <a:t>9/17/25</a:t>
+              <a:t>9/27/25</a:t>
             </a:fld>
             <a:endParaRPr lang="en-US"/>
           </a:p>
@@ -2057,7 +2056,7 @@
           <a:lstStyle/>
           <a:p>
             <a:fld id="{16286276-9013-2A43-82D1-BA4685C95117}" type="datetimeFigureOut">
-              <a:t>9/17/25</a:t>
+              <a:t>9/27/25</a:t>
             </a:fld>
             <a:endParaRPr lang="en-US"/>
           </a:p>
@@ -2366,7 +2365,7 @@
           <a:lstStyle/>
           <a:p>
             <a:fld id="{16286276-9013-2A43-82D1-BA4685C95117}" type="datetimeFigureOut">
-              <a:t>9/17/25</a:t>
+              <a:t>9/27/25</a:t>
             </a:fld>
             <a:endParaRPr lang="en-US"/>
           </a:p>
@@ -2652,7 +2651,7 @@
           <a:lstStyle/>
           <a:p>
             <a:fld id="{16286276-9013-2A43-82D1-BA4685C95117}" type="datetimeFigureOut">
-              <a:t>9/17/25</a:t>
+              <a:t>9/27/25</a:t>
             </a:fld>
             <a:endParaRPr lang="en-US"/>
           </a:p>
@@ -2891,7 +2890,7 @@
           </a:lstStyle>
           <a:p>
             <a:fld id="{16286276-9013-2A43-82D1-BA4685C95117}" type="datetimeFigureOut">
-              <a:t>9/17/25</a:t>
+              <a:t>9/27/25</a:t>
             </a:fld>
             <a:endParaRPr lang="en-US"/>
           </a:p>
@@ -4626,6 +4625,47 @@
           </a:p>
         </p:txBody>
       </p:sp>
+      <p:sp>
+        <p:nvSpPr>
+          <p:cNvPr id="11" name="TextBox 10">
+            <a:extLst>
+              <a:ext uri="{FF2B5EF4-FFF2-40B4-BE49-F238E27FC236}">
+                <a16:creationId xmlns:a16="http://schemas.microsoft.com/office/drawing/2014/main" id="{75618DCE-DC57-E6AF-91F2-A8276D2F428D}"/>
+              </a:ext>
+            </a:extLst>
+          </p:cNvPr>
+          <p:cNvSpPr txBox="1"/>
+          <p:nvPr/>
+        </p:nvSpPr>
+        <p:spPr>
+          <a:xfrm>
+            <a:off x="454375" y="5886450"/>
+            <a:ext cx="2621109" cy="307777"/>
+          </a:xfrm>
+          <a:prstGeom prst="rect">
+            <a:avLst/>
+          </a:prstGeom>
+          <a:noFill/>
+        </p:spPr>
+        <p:txBody>
+          <a:bodyPr wrap="square" rtlCol="0">
+            <a:spAutoFit/>
+          </a:bodyPr>
+          <a:lstStyle/>
+          <a:p>
+            <a:r>
+              <a:rPr lang="en-US" sz="1400" b="1" dirty="0"/>
+              <a:t>Backhoe 260b – use with 1025R</a:t>
+            </a:r>
+            <a:endParaRPr lang="en-US" sz="1400" b="1" i="0" dirty="0">
+              <a:solidFill>
+                <a:srgbClr val="333333"/>
+              </a:solidFill>
+              <a:effectLst/>
+            </a:endParaRPr>
+          </a:p>
+        </p:txBody>
+      </p:sp>
     </p:spTree>
     <p:extLst>
       <p:ext uri="{BB962C8B-B14F-4D97-AF65-F5344CB8AC3E}">
@@ -4692,7 +4732,7 @@
           <a:p>
             <a:r>
               <a:rPr lang="en-US" sz="2400" b="1" dirty="0"/>
-              <a:t>1025R.   vs    X758</a:t>
+              <a:t>1025R   vs    X758</a:t>
             </a:r>
             <a:endParaRPr lang="en-US" sz="2400" b="1" i="0" dirty="0">
               <a:solidFill>
@@ -5312,7 +5352,7 @@
                 <a:ea typeface="Menlo" panose="020B0609030804020204" pitchFamily="49" charset="0"/>
                 <a:cs typeface="Menlo" panose="020B0609030804020204" pitchFamily="49" charset="0"/>
               </a:rPr>
-              <a:t>2wd diesel (2006-11)</a:t>
+              <a:t>2wd diesel (2006-12)</a:t>
             </a:r>
           </a:p>
           <a:p>
@@ -5333,7 +5373,7 @@
                 <a:ea typeface="Menlo" panose="020B0609030804020204" pitchFamily="49" charset="0"/>
                 <a:cs typeface="Menlo" panose="020B0609030804020204" pitchFamily="49" charset="0"/>
               </a:rPr>
-              <a:t> 4wd diesel (2006-11) - </a:t>
+              <a:t> 4wd diesel (2006-12) - </a:t>
             </a:r>
             <a:r>
               <a:rPr lang="en-US" sz="1100" dirty="0">
@@ -5450,479 +5490,6 @@
   <p:cSld>
     <p:spTree>
       <p:nvGrpSpPr>
-        <p:cNvPr id="1" name="">
-          <a:extLst>
-            <a:ext uri="{FF2B5EF4-FFF2-40B4-BE49-F238E27FC236}">
-              <a16:creationId xmlns:a16="http://schemas.microsoft.com/office/drawing/2014/main" id="{BB8D43B2-740F-F0E6-5183-9FF58212989F}"/>
-            </a:ext>
-          </a:extLst>
-        </p:cNvPr>
-        <p:cNvGrpSpPr/>
-        <p:nvPr/>
-      </p:nvGrpSpPr>
-      <p:grpSpPr>
-        <a:xfrm>
-          <a:off x="0" y="0"/>
-          <a:ext cx="0" cy="0"/>
-          <a:chOff x="0" y="0"/>
-          <a:chExt cx="0" cy="0"/>
-        </a:xfrm>
-      </p:grpSpPr>
-      <p:sp>
-        <p:nvSpPr>
-          <p:cNvPr id="2" name="TextBox 1">
-            <a:extLst>
-              <a:ext uri="{FF2B5EF4-FFF2-40B4-BE49-F238E27FC236}">
-                <a16:creationId xmlns:a16="http://schemas.microsoft.com/office/drawing/2014/main" id="{53B2CA77-7A71-76E0-0161-3D858829B4E6}"/>
-              </a:ext>
-            </a:extLst>
-          </p:cNvPr>
-          <p:cNvSpPr txBox="1"/>
-          <p:nvPr/>
-        </p:nvSpPr>
-        <p:spPr>
-          <a:xfrm>
-            <a:off x="-1" y="0"/>
-            <a:ext cx="5795011" cy="461665"/>
-          </a:xfrm>
-          <a:prstGeom prst="rect">
-            <a:avLst/>
-          </a:prstGeom>
-          <a:noFill/>
-        </p:spPr>
-        <p:txBody>
-          <a:bodyPr wrap="square" rtlCol="0">
-            <a:spAutoFit/>
-          </a:bodyPr>
-          <a:lstStyle/>
-          <a:p>
-            <a:r>
-              <a:rPr lang="en-US" sz="2400" b="1" dirty="0"/>
-              <a:t>Backhoe 260b – use with 1025R</a:t>
-            </a:r>
-            <a:endParaRPr lang="en-US" sz="2400" b="1" i="0" dirty="0">
-              <a:solidFill>
-                <a:srgbClr val="333333"/>
-              </a:solidFill>
-              <a:effectLst/>
-            </a:endParaRPr>
-          </a:p>
-        </p:txBody>
-      </p:sp>
-      <p:sp>
-        <p:nvSpPr>
-          <p:cNvPr id="8" name="TextBox 7">
-            <a:extLst>
-              <a:ext uri="{FF2B5EF4-FFF2-40B4-BE49-F238E27FC236}">
-                <a16:creationId xmlns:a16="http://schemas.microsoft.com/office/drawing/2014/main" id="{35142E32-C181-0E67-D824-B9B20B3A3D6E}"/>
-              </a:ext>
-            </a:extLst>
-          </p:cNvPr>
-          <p:cNvSpPr txBox="1"/>
-          <p:nvPr/>
-        </p:nvSpPr>
-        <p:spPr>
-          <a:xfrm>
-            <a:off x="262129" y="4908477"/>
-            <a:ext cx="3785442" cy="1169551"/>
-          </a:xfrm>
-          <a:prstGeom prst="rect">
-            <a:avLst/>
-          </a:prstGeom>
-          <a:solidFill>
-            <a:schemeClr val="accent4">
-              <a:lumMod val="20000"/>
-              <a:lumOff val="80000"/>
-            </a:schemeClr>
-          </a:solidFill>
-          <a:ln>
-            <a:solidFill>
-              <a:srgbClr val="FF0000"/>
-            </a:solidFill>
-          </a:ln>
-        </p:spPr>
-        <p:txBody>
-          <a:bodyPr wrap="square" rtlCol="0">
-            <a:spAutoFit/>
-          </a:bodyPr>
-          <a:lstStyle/>
-          <a:p>
-            <a:r>
-              <a:rPr lang="en-US" sz="1400" dirty="0"/>
-              <a:t>Both have diesel engine.</a:t>
-            </a:r>
-          </a:p>
-          <a:p>
-            <a:pPr marL="285750" indent="-285750">
-              <a:buFont typeface="Arial" panose="020B0604020202020204" pitchFamily="34" charset="0"/>
-              <a:buChar char="•"/>
-            </a:pPr>
-            <a:r>
-              <a:rPr lang="en-US" sz="1400" dirty="0"/>
-              <a:t>X758 is a garden tractor (mowing, with optional 3-point hitch and PTO)</a:t>
-            </a:r>
-          </a:p>
-          <a:p>
-            <a:pPr marL="285750" indent="-285750">
-              <a:buFont typeface="Arial" panose="020B0604020202020204" pitchFamily="34" charset="0"/>
-              <a:buChar char="•"/>
-            </a:pPr>
-            <a:r>
-              <a:rPr lang="en-US" sz="1400" dirty="0"/>
-              <a:t>1025R is a true sub-compact utility tractor (loader, backhoe, ...), heavier</a:t>
-            </a:r>
-          </a:p>
-        </p:txBody>
-      </p:sp>
-      <p:sp>
-        <p:nvSpPr>
-          <p:cNvPr id="10" name="TextBox 9">
-            <a:extLst>
-              <a:ext uri="{FF2B5EF4-FFF2-40B4-BE49-F238E27FC236}">
-                <a16:creationId xmlns:a16="http://schemas.microsoft.com/office/drawing/2014/main" id="{C07A5335-F21F-B70C-10CA-17B4527A0A87}"/>
-              </a:ext>
-            </a:extLst>
-          </p:cNvPr>
-          <p:cNvSpPr txBox="1"/>
-          <p:nvPr/>
-        </p:nvSpPr>
-        <p:spPr>
-          <a:xfrm>
-            <a:off x="262129" y="775454"/>
-            <a:ext cx="4025666" cy="646331"/>
-          </a:xfrm>
-          <a:prstGeom prst="rect">
-            <a:avLst/>
-          </a:prstGeom>
-          <a:solidFill>
-            <a:schemeClr val="accent4">
-              <a:lumMod val="20000"/>
-              <a:lumOff val="80000"/>
-            </a:schemeClr>
-          </a:solidFill>
-          <a:ln>
-            <a:solidFill>
-              <a:srgbClr val="FF0000"/>
-            </a:solidFill>
-          </a:ln>
-        </p:spPr>
-        <p:txBody>
-          <a:bodyPr wrap="square" rtlCol="0">
-            <a:spAutoFit/>
-          </a:bodyPr>
-          <a:lstStyle/>
-          <a:p>
-            <a:r>
-              <a:rPr lang="en-US" dirty="0"/>
-              <a:t> </a:t>
-            </a:r>
-            <a:r>
-              <a:rPr lang="en-US" b="1" dirty="0"/>
-              <a:t>1025R                    vs                     X758</a:t>
-            </a:r>
-          </a:p>
-          <a:p>
-            <a:r>
-              <a:rPr lang="en-US" dirty="0">
-                <a:solidFill>
-                  <a:srgbClr val="00B0F0"/>
-                </a:solidFill>
-              </a:rPr>
-              <a:t>1,444 </a:t>
-            </a:r>
-            <a:r>
-              <a:rPr lang="en-US" dirty="0" err="1">
-                <a:solidFill>
-                  <a:srgbClr val="00B0F0"/>
-                </a:solidFill>
-              </a:rPr>
-              <a:t>lbs</a:t>
-            </a:r>
-            <a:r>
-              <a:rPr lang="en-US" dirty="0">
-                <a:solidFill>
-                  <a:srgbClr val="00B0F0"/>
-                </a:solidFill>
-              </a:rPr>
-              <a:t>                                     1,038 </a:t>
-            </a:r>
-            <a:r>
-              <a:rPr lang="en-US" dirty="0" err="1">
-                <a:solidFill>
-                  <a:srgbClr val="00B0F0"/>
-                </a:solidFill>
-              </a:rPr>
-              <a:t>lbs</a:t>
-            </a:r>
-            <a:endParaRPr lang="en-US" dirty="0">
-              <a:solidFill>
-                <a:srgbClr val="00B0F0"/>
-              </a:solidFill>
-            </a:endParaRPr>
-          </a:p>
-        </p:txBody>
-      </p:sp>
-      <p:pic>
-        <p:nvPicPr>
-          <p:cNvPr id="12" name="Picture 11">
-            <a:extLst>
-              <a:ext uri="{FF2B5EF4-FFF2-40B4-BE49-F238E27FC236}">
-                <a16:creationId xmlns:a16="http://schemas.microsoft.com/office/drawing/2014/main" id="{A51D59ED-5F71-0F01-8820-0894D5257F74}"/>
-              </a:ext>
-            </a:extLst>
-          </p:cNvPr>
-          <p:cNvPicPr>
-            <a:picLocks noChangeAspect="1"/>
-          </p:cNvPicPr>
-          <p:nvPr/>
-        </p:nvPicPr>
-        <p:blipFill>
-          <a:blip r:embed="rId2" cstate="email">
-            <a:extLst>
-              <a:ext uri="{28A0092B-C50C-407E-A947-70E740481C1C}">
-                <a14:useLocalDpi xmlns:a14="http://schemas.microsoft.com/office/drawing/2010/main"/>
-              </a:ext>
-            </a:extLst>
-          </a:blip>
-          <a:stretch>
-            <a:fillRect/>
-          </a:stretch>
-        </p:blipFill>
-        <p:spPr>
-          <a:xfrm>
-            <a:off x="6319920" y="775454"/>
-            <a:ext cx="1530350" cy="1200150"/>
-          </a:xfrm>
-          <a:prstGeom prst="rect">
-            <a:avLst/>
-          </a:prstGeom>
-        </p:spPr>
-      </p:pic>
-      <p:pic>
-        <p:nvPicPr>
-          <p:cNvPr id="1028" name="Picture 4" descr="x758 vs 1025r: new owner impressions | My Tractor Forum">
-            <a:extLst>
-              <a:ext uri="{FF2B5EF4-FFF2-40B4-BE49-F238E27FC236}">
-                <a16:creationId xmlns:a16="http://schemas.microsoft.com/office/drawing/2014/main" id="{D39A302E-B690-CEFB-D141-4C0015B9AD44}"/>
-              </a:ext>
-            </a:extLst>
-          </p:cNvPr>
-          <p:cNvPicPr>
-            <a:picLocks noChangeAspect="1" noChangeArrowheads="1"/>
-          </p:cNvPicPr>
-          <p:nvPr/>
-        </p:nvPicPr>
-        <p:blipFill>
-          <a:blip r:embed="rId3" cstate="email">
-            <a:extLst>
-              <a:ext uri="{28A0092B-C50C-407E-A947-70E740481C1C}">
-                <a14:useLocalDpi xmlns:a14="http://schemas.microsoft.com/office/drawing/2010/main"/>
-              </a:ext>
-            </a:extLst>
-          </a:blip>
-          <a:srcRect/>
-          <a:stretch>
-            <a:fillRect/>
-          </a:stretch>
-        </p:blipFill>
-        <p:spPr bwMode="auto">
-          <a:xfrm>
-            <a:off x="262128" y="1908858"/>
-            <a:ext cx="3785443" cy="2839082"/>
-          </a:xfrm>
-          <a:prstGeom prst="rect">
-            <a:avLst/>
-          </a:prstGeom>
-          <a:noFill/>
-          <a:extLst>
-            <a:ext uri="{909E8E84-426E-40DD-AFC4-6F175D3DCCD1}">
-              <a14:hiddenFill xmlns:a14="http://schemas.microsoft.com/office/drawing/2010/main">
-                <a:solidFill>
-                  <a:srgbClr val="FFFFFF"/>
-                </a:solidFill>
-              </a14:hiddenFill>
-            </a:ext>
-          </a:extLst>
-        </p:spPr>
-      </p:pic>
-      <p:sp>
-        <p:nvSpPr>
-          <p:cNvPr id="3" name="TextBox 2">
-            <a:extLst>
-              <a:ext uri="{FF2B5EF4-FFF2-40B4-BE49-F238E27FC236}">
-                <a16:creationId xmlns:a16="http://schemas.microsoft.com/office/drawing/2014/main" id="{CB433DF0-0233-7D34-B848-B85F405E6B77}"/>
-              </a:ext>
-            </a:extLst>
-          </p:cNvPr>
-          <p:cNvSpPr txBox="1"/>
-          <p:nvPr/>
-        </p:nvSpPr>
-        <p:spPr>
-          <a:xfrm>
-            <a:off x="6319920" y="2182287"/>
-            <a:ext cx="5609951" cy="3031599"/>
-          </a:xfrm>
-          <a:prstGeom prst="rect">
-            <a:avLst/>
-          </a:prstGeom>
-          <a:solidFill>
-            <a:schemeClr val="accent4">
-              <a:lumMod val="20000"/>
-              <a:lumOff val="80000"/>
-            </a:schemeClr>
-          </a:solidFill>
-          <a:ln>
-            <a:solidFill>
-              <a:srgbClr val="FF0000"/>
-            </a:solidFill>
-          </a:ln>
-        </p:spPr>
-        <p:txBody>
-          <a:bodyPr wrap="square" rtlCol="0">
-            <a:spAutoFit/>
-          </a:bodyPr>
-          <a:lstStyle/>
-          <a:p>
-            <a:r>
-              <a:rPr lang="en-US" dirty="0"/>
-              <a:t>X700 series 4WD models: </a:t>
-            </a:r>
-          </a:p>
-          <a:p>
-            <a:r>
-              <a:rPr lang="en-US" dirty="0"/>
-              <a:t>X738, X739, X758</a:t>
-            </a:r>
-          </a:p>
-          <a:p>
-            <a:r>
-              <a:rPr lang="en-US" sz="1100" dirty="0">
-                <a:hlinkClick r:id="rId4"/>
-              </a:rPr>
-              <a:t>https://</a:t>
-            </a:r>
-            <a:r>
-              <a:rPr lang="en-US" sz="1100" dirty="0" err="1">
-                <a:hlinkClick r:id="rId4"/>
-              </a:rPr>
-              <a:t>www.deere.com</a:t>
-            </a:r>
-            <a:r>
-              <a:rPr lang="en-US" sz="1100" dirty="0">
-                <a:hlinkClick r:id="rId4"/>
-              </a:rPr>
-              <a:t>/</a:t>
-            </a:r>
-            <a:r>
-              <a:rPr lang="en-US" sz="1100" dirty="0" err="1">
-                <a:hlinkClick r:id="rId4"/>
-              </a:rPr>
-              <a:t>en</a:t>
-            </a:r>
-            <a:r>
-              <a:rPr lang="en-US" sz="1100" dirty="0">
-                <a:hlinkClick r:id="rId4"/>
-              </a:rPr>
-              <a:t>/mowers/lawn-tractors/x700-series/ </a:t>
-            </a:r>
-            <a:endParaRPr lang="en-US" sz="1100" dirty="0"/>
-          </a:p>
-          <a:p>
-            <a:endParaRPr lang="en-US" dirty="0"/>
-          </a:p>
-          <a:p>
-            <a:pPr marL="285750" indent="-285750">
-              <a:buFont typeface="Arial" panose="020B0604020202020204" pitchFamily="34" charset="0"/>
-              <a:buChar char="•"/>
-            </a:pPr>
-            <a:r>
-              <a:rPr lang="en-US" sz="1400" dirty="0"/>
-              <a:t>All accept mowing decks 48, 54, 60 inches</a:t>
-            </a:r>
-          </a:p>
-          <a:p>
-            <a:pPr marL="285750" indent="-285750">
-              <a:buFont typeface="Arial" panose="020B0604020202020204" pitchFamily="34" charset="0"/>
-              <a:buChar char="•"/>
-            </a:pPr>
-            <a:r>
-              <a:rPr lang="en-US" sz="1400" dirty="0"/>
-              <a:t>All have power lift - two-function hydraulic lift system to raise and lower attachments (mower decks, front blades, snow blowers, or rotary brooms)</a:t>
-            </a:r>
-          </a:p>
-          <a:p>
-            <a:pPr marL="285750" indent="-285750">
-              <a:buFont typeface="Arial" panose="020B0604020202020204" pitchFamily="34" charset="0"/>
-              <a:buChar char="•"/>
-            </a:pPr>
-            <a:r>
-              <a:rPr lang="en-US" sz="1400" dirty="0"/>
-              <a:t>Prices: $17..$19K</a:t>
-            </a:r>
-          </a:p>
-          <a:p>
-            <a:endParaRPr lang="en-US" sz="1400" dirty="0"/>
-          </a:p>
-          <a:p>
-            <a:pPr marL="285750" indent="-285750">
-              <a:buFont typeface="Arial" panose="020B0604020202020204" pitchFamily="34" charset="0"/>
-              <a:buChar char="•"/>
-            </a:pPr>
-            <a:r>
-              <a:rPr lang="en-US" sz="1400" dirty="0"/>
-              <a:t>X738 4wd, gas, fuel injection, V-twin, power lift, 947 </a:t>
-            </a:r>
-            <a:r>
-              <a:rPr lang="en-US" sz="1400" dirty="0" err="1"/>
-              <a:t>lbs</a:t>
-            </a:r>
-            <a:endParaRPr lang="en-US" sz="1400" dirty="0"/>
-          </a:p>
-          <a:p>
-            <a:pPr marL="285750" indent="-285750">
-              <a:buFont typeface="Arial" panose="020B0604020202020204" pitchFamily="34" charset="0"/>
-              <a:buChar char="•"/>
-            </a:pPr>
-            <a:r>
-              <a:rPr lang="en-US" sz="1400" dirty="0"/>
-              <a:t>X739 4wd, gas, fuel injection, V-twin, power lift, 4-wheel steer</a:t>
-            </a:r>
-          </a:p>
-          <a:p>
-            <a:pPr marL="285750" indent="-285750">
-              <a:buFont typeface="Arial" panose="020B0604020202020204" pitchFamily="34" charset="0"/>
-              <a:buChar char="•"/>
-            </a:pPr>
-            <a:r>
-              <a:rPr lang="en-US" sz="1400" dirty="0"/>
-              <a:t>X758 4wd, diesel, power lift , 1,038 </a:t>
-            </a:r>
-            <a:r>
-              <a:rPr lang="en-US" sz="1400" dirty="0" err="1"/>
-              <a:t>lbs</a:t>
-            </a:r>
-            <a:endParaRPr lang="en-US" sz="1400" dirty="0"/>
-          </a:p>
-        </p:txBody>
-      </p:sp>
-    </p:spTree>
-    <p:extLst>
-      <p:ext uri="{BB962C8B-B14F-4D97-AF65-F5344CB8AC3E}">
-        <p14:creationId xmlns:p14="http://schemas.microsoft.com/office/powerpoint/2010/main" val="2959317044"/>
-      </p:ext>
-    </p:extLst>
-  </p:cSld>
-  <p:clrMapOvr>
-    <a:masterClrMapping/>
-  </p:clrMapOvr>
-</p:sld>
-</file>
-
-<file path=ppt/slides/slide5.xml><?xml version="1.0" encoding="utf-8"?>
-<p:sld xmlns:a="http://schemas.openxmlformats.org/drawingml/2006/main" xmlns:r="http://schemas.openxmlformats.org/officeDocument/2006/relationships" xmlns:p="http://schemas.openxmlformats.org/presentationml/2006/main">
-  <p:cSld>
-    <p:spTree>
-      <p:nvGrpSpPr>
         <p:cNvPr id="1" name=""/>
         <p:cNvGrpSpPr/>
         <p:nvPr/>
@@ -6306,7 +5873,7 @@
 </p:sld>
 </file>
 
-<file path=ppt/slides/slide6.xml><?xml version="1.0" encoding="utf-8"?>
+<file path=ppt/slides/slide5.xml><?xml version="1.0" encoding="utf-8"?>
 <p:sld xmlns:a="http://schemas.openxmlformats.org/drawingml/2006/main" xmlns:r="http://schemas.openxmlformats.org/officeDocument/2006/relationships" xmlns:p="http://schemas.openxmlformats.org/presentationml/2006/main">
   <p:cSld>
     <p:spTree>
